--- a/Prezentacia SPOJENA.pptx
+++ b/Prezentacia SPOJENA.pptx
@@ -13353,7 +13353,9 @@
           <a:p>
             <a:pPr algn="ctr"/>
             <a:r>
-              <a:rPr lang="sk-SK" dirty="0"/>
+              <a:rPr lang="sk-SK" dirty="0">
+                <a:latin typeface="+mj-lt"/>
+              </a:rPr>
               <a:t>O</a:t>
             </a:r>
           </a:p>
@@ -13419,8 +13421,8 @@
         </p:nvSpPr>
         <p:spPr>
           <a:xfrm>
-            <a:off x="798578" y="1063017"/>
-            <a:ext cx="10594823" cy="584775"/>
+            <a:off x="338837" y="955577"/>
+            <a:ext cx="11511741" cy="646331"/>
           </a:xfrm>
           <a:prstGeom prst="rect">
             <a:avLst/>
@@ -13434,38 +13436,48 @@
           <a:lstStyle/>
           <a:p>
             <a:r>
-              <a:rPr lang="cs-CZ" sz="3200" dirty="0"/>
+              <a:rPr lang="cs-CZ" sz="3600" b="1" dirty="0">
+                <a:latin typeface="+mj-lt"/>
+              </a:rPr>
               <a:t>Je spolupráca </a:t>
             </a:r>
             <a:r>
-              <a:rPr lang="cs-CZ" sz="3200" dirty="0">
+              <a:rPr lang="cs-CZ" sz="3600" b="1" dirty="0">
                 <a:solidFill>
                   <a:schemeClr val="accent5">
                     <a:lumMod val="75000"/>
                   </a:schemeClr>
                 </a:solidFill>
+                <a:latin typeface="+mj-lt"/>
               </a:rPr>
               <a:t>zákonodarnej moci </a:t>
             </a:r>
             <a:r>
-              <a:rPr lang="cs-CZ" sz="3200" dirty="0"/>
+              <a:rPr lang="cs-CZ" sz="3600" b="1" dirty="0">
+                <a:latin typeface="+mj-lt"/>
+              </a:rPr>
               <a:t>s </a:t>
             </a:r>
             <a:r>
-              <a:rPr lang="cs-CZ" sz="3200" dirty="0">
+              <a:rPr lang="cs-CZ" sz="3600" b="1" dirty="0">
                 <a:solidFill>
                   <a:schemeClr val="accent5">
                     <a:lumMod val="75000"/>
                   </a:schemeClr>
                 </a:solidFill>
+                <a:latin typeface="+mj-lt"/>
               </a:rPr>
               <a:t>počítačovou vedou </a:t>
             </a:r>
             <a:r>
-              <a:rPr lang="cs-CZ" sz="3200" dirty="0"/>
+              <a:rPr lang="cs-CZ" sz="3600" b="1" dirty="0">
+                <a:latin typeface="+mj-lt"/>
+              </a:rPr>
               <a:t>možná?</a:t>
             </a:r>
-            <a:endParaRPr lang="en-US" sz="3200" dirty="0"/>
+            <a:endParaRPr lang="en-US" sz="3600" b="1" dirty="0">
+              <a:latin typeface="+mj-lt"/>
+            </a:endParaRPr>
           </a:p>
         </p:txBody>
       </p:sp>
@@ -13498,21 +13510,23 @@
           <a:lstStyle/>
           <a:p>
             <a:r>
-              <a:rPr lang="cs-CZ" sz="3200" b="1" dirty="0">
+              <a:rPr lang="cs-CZ" sz="3200" dirty="0">
                 <a:solidFill>
                   <a:schemeClr val="accent6">
                     <a:lumMod val="75000"/>
                   </a:schemeClr>
                 </a:solidFill>
+                <a:latin typeface="+mj-lt"/>
               </a:rPr>
               <a:t>Oslabenie vplyvu vlády a korporácii na internet</a:t>
             </a:r>
-            <a:endParaRPr lang="en-US" sz="3200" b="1" dirty="0">
+            <a:endParaRPr lang="en-US" sz="3200" dirty="0">
               <a:solidFill>
                 <a:schemeClr val="accent6">
                   <a:lumMod val="75000"/>
                 </a:schemeClr>
               </a:solidFill>
+              <a:latin typeface="+mj-lt"/>
             </a:endParaRPr>
           </a:p>
         </p:txBody>
@@ -13532,7 +13546,7 @@
         <p:spPr>
           <a:xfrm>
             <a:off x="798578" y="2236662"/>
-            <a:ext cx="5511637" cy="584775"/>
+            <a:ext cx="5296130" cy="584775"/>
           </a:xfrm>
           <a:prstGeom prst="rect">
             <a:avLst/>
@@ -13546,21 +13560,23 @@
           <a:lstStyle/>
           <a:p>
             <a:r>
-              <a:rPr lang="cs-CZ" sz="3200" b="1" dirty="0">
+              <a:rPr lang="cs-CZ" sz="3200" dirty="0">
                 <a:solidFill>
                   <a:schemeClr val="accent6">
                     <a:lumMod val="75000"/>
                   </a:schemeClr>
                 </a:solidFill>
+                <a:latin typeface="+mj-lt"/>
               </a:rPr>
               <a:t>Internet ovládaný používateľmi</a:t>
             </a:r>
-            <a:endParaRPr lang="en-US" sz="3200" b="1" dirty="0">
+            <a:endParaRPr lang="en-US" sz="3200" dirty="0">
               <a:solidFill>
                 <a:schemeClr val="accent6">
                   <a:lumMod val="75000"/>
                 </a:schemeClr>
               </a:solidFill>
+              <a:latin typeface="+mj-lt"/>
             </a:endParaRPr>
           </a:p>
         </p:txBody>
@@ -13607,7 +13623,9 @@
           <a:lstStyle/>
           <a:p>
             <a:pPr algn="ctr"/>
-            <a:endParaRPr lang="en-US"/>
+            <a:endParaRPr lang="en-US">
+              <a:latin typeface="+mj-lt"/>
+            </a:endParaRPr>
           </a:p>
         </p:txBody>
       </p:sp>
@@ -14022,11 +14040,11 @@
           <a:lstStyle/>
           <a:p>
             <a:r>
-              <a:rPr lang="sk-SK" sz="3200" b="1" dirty="0"/>
+              <a:rPr lang="sk-SK" sz="4000" b="1" dirty="0"/>
               <a:t>Čo sú to „</a:t>
             </a:r>
             <a:r>
-              <a:rPr lang="sk-SK" sz="3200" b="1" dirty="0">
+              <a:rPr lang="sk-SK" sz="4000" b="1" dirty="0">
                 <a:solidFill>
                   <a:schemeClr val="accent1"/>
                 </a:solidFill>
@@ -14034,7 +14052,7 @@
               <a:t>FAKE NEWS</a:t>
             </a:r>
             <a:r>
-              <a:rPr lang="sk-SK" sz="3200" b="1" dirty="0"/>
+              <a:rPr lang="sk-SK" sz="4000" b="1" dirty="0"/>
               <a:t>“ a ako sa nás týkajú?</a:t>
             </a:r>
           </a:p>
@@ -14117,9 +14135,9 @@
             <a:pPr marL="0" indent="0">
               <a:buNone/>
             </a:pPr>
-            <a:endParaRPr lang="sk-SK" sz="3200" b="1" i="1" dirty="0">
+            <a:endParaRPr lang="sk-SK" sz="3600" b="1" dirty="0">
               <a:solidFill>
-                <a:srgbClr val="0070C0"/>
+                <a:srgbClr val="FF0000"/>
               </a:solidFill>
             </a:endParaRPr>
           </a:p>
@@ -14128,7 +14146,7 @@
               <a:buNone/>
             </a:pPr>
             <a:r>
-              <a:rPr lang="sk-SK" sz="3600" b="1" i="1" dirty="0">
+              <a:rPr lang="sk-SK" sz="3600" dirty="0">
                 <a:solidFill>
                   <a:srgbClr val="FF0000"/>
                 </a:solidFill>
@@ -14136,11 +14154,11 @@
               <a:t>Zámerne</a:t>
             </a:r>
             <a:r>
-              <a:rPr lang="sk-SK" sz="3600" b="1" i="1" dirty="0"/>
+              <a:rPr lang="sk-SK" sz="3600" dirty="0"/>
               <a:t> zdieľaná </a:t>
             </a:r>
             <a:r>
-              <a:rPr lang="sk-SK" sz="3600" b="1" i="1" dirty="0">
+              <a:rPr lang="sk-SK" sz="3600" dirty="0">
                 <a:solidFill>
                   <a:srgbClr val="FF0000"/>
                 </a:solidFill>
@@ -14148,7 +14166,7 @@
               <a:t>nepravdivá informácia</a:t>
             </a:r>
             <a:r>
-              <a:rPr lang="sk-SK" sz="3600" b="1" i="1" dirty="0"/>
+              <a:rPr lang="sk-SK" sz="3600" dirty="0"/>
               <a:t>, za účelom :</a:t>
             </a:r>
           </a:p>
@@ -14156,14 +14174,14 @@
             <a:pPr marL="0" indent="0">
               <a:buNone/>
             </a:pPr>
-            <a:endParaRPr lang="sk-SK" sz="1800" b="1" i="1" dirty="0"/>
+            <a:endParaRPr lang="sk-SK" sz="1800" dirty="0"/>
           </a:p>
           <a:p>
             <a:pPr marL="0" indent="0">
               <a:buNone/>
             </a:pPr>
             <a:r>
-              <a:rPr lang="sk-SK" sz="3200" b="1" i="1" dirty="0"/>
+              <a:rPr lang="sk-SK" sz="3600" dirty="0"/>
               <a:t>vyvolania reakcie publika, </a:t>
             </a:r>
           </a:p>
@@ -14172,7 +14190,7 @@
               <a:buNone/>
             </a:pPr>
             <a:r>
-              <a:rPr lang="sk-SK" sz="3200" b="1" i="1" dirty="0">
+              <a:rPr lang="sk-SK" sz="3600" dirty="0">
                 <a:solidFill>
                   <a:srgbClr val="FF0000"/>
                 </a:solidFill>
@@ -14180,7 +14198,7 @@
               <a:t>ovplyvnenia názoru </a:t>
             </a:r>
             <a:r>
-              <a:rPr lang="sk-SK" sz="3200" b="1" i="1" dirty="0"/>
+              <a:rPr lang="sk-SK" sz="3600" dirty="0"/>
               <a:t>čitateľa,</a:t>
             </a:r>
           </a:p>
@@ -14189,7 +14207,7 @@
               <a:buNone/>
             </a:pPr>
             <a:r>
-              <a:rPr lang="sk-SK" sz="3200" b="1" i="1" dirty="0"/>
+              <a:rPr lang="sk-SK" sz="3600" dirty="0"/>
               <a:t>navýšenia „klikov“</a:t>
             </a:r>
           </a:p>
@@ -14198,20 +14216,114 @@
               <a:buNone/>
             </a:pPr>
             <a:r>
-              <a:rPr lang="sk-SK" sz="3200" b="1" i="1" dirty="0"/>
+              <a:rPr lang="sk-SK" sz="3600" dirty="0"/>
               <a:t>...</a:t>
             </a:r>
             <a:r>
-              <a:rPr lang="sk-SK" sz="3200" b="1" i="1" dirty="0" err="1"/>
+              <a:rPr lang="sk-SK" sz="3600" dirty="0" err="1"/>
               <a:t>atd</a:t>
             </a:r>
             <a:r>
-              <a:rPr lang="sk-SK" sz="3200" b="1" i="1" dirty="0"/>
+              <a:rPr lang="sk-SK" sz="3600" dirty="0"/>
               <a:t>.</a:t>
             </a:r>
           </a:p>
         </p:txBody>
       </p:sp>
+      <p:pic>
+        <p:nvPicPr>
+          <p:cNvPr id="1026" name="Picture 2" descr="You Can't Joke About That | HuffPost">
+            <a:extLst>
+              <a:ext uri="{FF2B5EF4-FFF2-40B4-BE49-F238E27FC236}">
+                <a16:creationId xmlns:a16="http://schemas.microsoft.com/office/drawing/2014/main" id="{1F94F54F-92EA-43B2-96F0-36174F1F87E4}"/>
+              </a:ext>
+            </a:extLst>
+          </p:cNvPr>
+          <p:cNvPicPr>
+            <a:picLocks noChangeAspect="1" noChangeArrowheads="1"/>
+          </p:cNvPicPr>
+          <p:nvPr/>
+        </p:nvPicPr>
+        <p:blipFill>
+          <a:blip r:embed="rId4">
+            <a:extLst>
+              <a:ext uri="{28A0092B-C50C-407E-A947-70E740481C1C}">
+                <a14:useLocalDpi xmlns:a14="http://schemas.microsoft.com/office/drawing/2010/main" val="0"/>
+              </a:ext>
+            </a:extLst>
+          </a:blip>
+          <a:srcRect/>
+          <a:stretch>
+            <a:fillRect/>
+          </a:stretch>
+        </p:blipFill>
+        <p:spPr bwMode="auto">
+          <a:xfrm>
+            <a:off x="6050018" y="2886041"/>
+            <a:ext cx="5424992" cy="2677328"/>
+          </a:xfrm>
+          <a:prstGeom prst="rect">
+            <a:avLst/>
+          </a:prstGeom>
+          <a:noFill/>
+          <a:extLst>
+            <a:ext uri="{909E8E84-426E-40DD-AFC4-6F175D3DCCD1}">
+              <a14:hiddenFill xmlns:a14="http://schemas.microsoft.com/office/drawing/2010/main">
+                <a:solidFill>
+                  <a:srgbClr val="FFFFFF"/>
+                </a:solidFill>
+              </a14:hiddenFill>
+            </a:ext>
+          </a:extLst>
+        </p:spPr>
+      </p:pic>
+      <p:pic>
+        <p:nvPicPr>
+          <p:cNvPr id="1030" name="Picture 6" descr="Free &amp; Premium Stock Photos - Canva">
+            <a:extLst>
+              <a:ext uri="{FF2B5EF4-FFF2-40B4-BE49-F238E27FC236}">
+                <a16:creationId xmlns:a16="http://schemas.microsoft.com/office/drawing/2014/main" id="{0082440A-6B9E-4034-BE13-1B59F81A6EB8}"/>
+              </a:ext>
+            </a:extLst>
+          </p:cNvPr>
+          <p:cNvPicPr>
+            <a:picLocks noChangeAspect="1" noChangeArrowheads="1"/>
+          </p:cNvPicPr>
+          <p:nvPr/>
+        </p:nvPicPr>
+        <p:blipFill>
+          <a:blip r:embed="rId5">
+            <a:extLst>
+              <a:ext uri="{28A0092B-C50C-407E-A947-70E740481C1C}">
+                <a14:useLocalDpi xmlns:a14="http://schemas.microsoft.com/office/drawing/2010/main" val="0"/>
+              </a:ext>
+            </a:extLst>
+          </a:blip>
+          <a:srcRect/>
+          <a:stretch>
+            <a:fillRect/>
+          </a:stretch>
+        </p:blipFill>
+        <p:spPr bwMode="auto">
+          <a:xfrm>
+            <a:off x="-3347943" y="4558028"/>
+            <a:ext cx="3154576" cy="2299972"/>
+          </a:xfrm>
+          <a:prstGeom prst="rect">
+            <a:avLst/>
+          </a:prstGeom>
+          <a:noFill/>
+          <a:extLst>
+            <a:ext uri="{909E8E84-426E-40DD-AFC4-6F175D3DCCD1}">
+              <a14:hiddenFill xmlns:a14="http://schemas.microsoft.com/office/drawing/2010/main">
+                <a:solidFill>
+                  <a:srgbClr val="FFFFFF"/>
+                </a:solidFill>
+              </a14:hiddenFill>
+            </a:ext>
+          </a:extLst>
+        </p:spPr>
+      </p:pic>
     </p:spTree>
     <p:extLst>
       <p:ext uri="{BB962C8B-B14F-4D97-AF65-F5344CB8AC3E}">
@@ -15007,7 +15119,7 @@
               <a:t>Sociálne siete </a:t>
             </a:r>
             <a:br>
-              <a:rPr lang="sk-SK" b="1" dirty="0">
+              <a:rPr lang="sk-SK" dirty="0">
                 <a:solidFill>
                   <a:schemeClr val="accent1">
                     <a:lumMod val="75000"/>
@@ -15016,14 +15128,14 @@
               </a:rPr>
             </a:br>
             <a:r>
-              <a:rPr lang="sk-SK" b="1" dirty="0"/>
+              <a:rPr lang="sk-SK" dirty="0"/>
               <a:t>postupne menia falošné správy na </a:t>
             </a:r>
             <a:br>
-              <a:rPr lang="sk-SK" b="1" dirty="0"/>
+              <a:rPr lang="sk-SK" dirty="0"/>
             </a:br>
             <a:r>
-              <a:rPr lang="sk-SK" b="1" dirty="0">
+              <a:rPr lang="sk-SK" dirty="0">
                 <a:solidFill>
                   <a:srgbClr val="FF0000"/>
                 </a:solidFill>
@@ -15260,7 +15372,7 @@
               <a:t>Sociálne siete </a:t>
             </a:r>
             <a:br>
-              <a:rPr lang="sk-SK" b="1" dirty="0">
+              <a:rPr lang="sk-SK" dirty="0">
                 <a:solidFill>
                   <a:schemeClr val="accent1">
                     <a:lumMod val="75000"/>
@@ -15269,14 +15381,14 @@
               </a:rPr>
             </a:br>
             <a:r>
-              <a:rPr lang="sk-SK" b="1" dirty="0"/>
+              <a:rPr lang="sk-SK" dirty="0"/>
               <a:t>postupne menia falošné správy na </a:t>
             </a:r>
             <a:br>
-              <a:rPr lang="sk-SK" b="1" dirty="0"/>
+              <a:rPr lang="sk-SK" dirty="0"/>
             </a:br>
             <a:r>
-              <a:rPr lang="sk-SK" b="1" dirty="0">
+              <a:rPr lang="sk-SK" dirty="0">
                 <a:solidFill>
                   <a:srgbClr val="FF0000"/>
                 </a:solidFill>
@@ -15827,7 +15939,7 @@
               <a:buNone/>
             </a:pPr>
             <a:r>
-              <a:rPr lang="sk-SK" sz="3600" b="1" i="1" dirty="0">
+              <a:rPr lang="sk-SK" sz="3600" dirty="0">
                 <a:solidFill>
                   <a:srgbClr val="FF0000"/>
                 </a:solidFill>
@@ -15839,7 +15951,7 @@
             <a:pPr marL="0" indent="0">
               <a:buNone/>
             </a:pPr>
-            <a:endParaRPr lang="sk-SK" sz="3600" b="1" i="1" dirty="0">
+            <a:endParaRPr lang="sk-SK" sz="3600" dirty="0">
               <a:solidFill>
                 <a:schemeClr val="accent6">
                   <a:lumMod val="75000"/>
@@ -15851,7 +15963,7 @@
             <a:pPr marL="0" indent="0">
               <a:buNone/>
             </a:pPr>
-            <a:endParaRPr lang="sk-SK" sz="3600" b="1" i="1" dirty="0">
+            <a:endParaRPr lang="sk-SK" sz="3600" dirty="0">
               <a:solidFill>
                 <a:schemeClr val="accent6">
                   <a:lumMod val="75000"/>
@@ -15863,7 +15975,7 @@
             <a:pPr marL="0" indent="0">
               <a:buNone/>
             </a:pPr>
-            <a:endParaRPr lang="sk-SK" sz="3600" b="1" i="1" dirty="0">
+            <a:endParaRPr lang="sk-SK" sz="3600" dirty="0">
               <a:solidFill>
                 <a:schemeClr val="accent6">
                   <a:lumMod val="75000"/>
@@ -15875,7 +15987,7 @@
             <a:pPr marL="0" indent="0">
               <a:buNone/>
             </a:pPr>
-            <a:endParaRPr lang="sk-SK" sz="3600" b="1" i="1" dirty="0">
+            <a:endParaRPr lang="sk-SK" sz="3600" dirty="0">
               <a:solidFill>
                 <a:schemeClr val="accent6">
                   <a:lumMod val="75000"/>
@@ -15888,7 +16000,7 @@
               <a:buNone/>
             </a:pPr>
             <a:r>
-              <a:rPr lang="sk-SK" sz="3600" b="1" i="1" dirty="0">
+              <a:rPr lang="sk-SK" sz="3600" dirty="0">
                 <a:solidFill>
                   <a:schemeClr val="accent6">
                     <a:lumMod val="75000"/>
@@ -15903,7 +16015,7 @@
               <a:buNone/>
             </a:pPr>
             <a:r>
-              <a:rPr lang="sk-SK" sz="3600" b="1" i="1" dirty="0">
+              <a:rPr lang="sk-SK" sz="3600" dirty="0">
                 <a:solidFill>
                   <a:schemeClr val="accent6">
                     <a:lumMod val="75000"/>
@@ -15918,7 +16030,7 @@
               <a:buNone/>
             </a:pPr>
             <a:r>
-              <a:rPr lang="sk-SK" sz="3600" b="1" i="1" dirty="0">
+              <a:rPr lang="sk-SK" sz="3600" dirty="0">
                 <a:solidFill>
                   <a:schemeClr val="accent6">
                     <a:lumMod val="75000"/>
@@ -15927,7 +16039,7 @@
               </a:rPr>
               <a:t>zákonodarcov</a:t>
             </a:r>
-            <a:endParaRPr lang="sk-SK" sz="3200" b="1" i="1" dirty="0">
+            <a:endParaRPr lang="sk-SK" sz="3200" dirty="0">
               <a:solidFill>
                 <a:schemeClr val="accent6">
                   <a:lumMod val="75000"/>
@@ -16150,7 +16262,7 @@
               <a:buNone/>
             </a:pPr>
             <a:r>
-              <a:rPr lang="sk-SK" sz="3200" b="1" i="1" dirty="0">
+              <a:rPr lang="sk-SK" sz="3200" dirty="0">
                 <a:solidFill>
                   <a:srgbClr val="FF0000"/>
                 </a:solidFill>
@@ -16166,7 +16278,7 @@
               <a:buNone/>
             </a:pPr>
             <a:r>
-              <a:rPr lang="sk-SK" sz="3200" b="1" i="1" dirty="0"/>
+              <a:rPr lang="sk-SK" sz="3200" dirty="0"/>
               <a:t>Falošné správy sa šíria neuveriteľne rýchlo</a:t>
             </a:r>
           </a:p>
@@ -16178,11 +16290,11 @@
               <a:buNone/>
             </a:pPr>
             <a:r>
-              <a:rPr lang="sk-SK" sz="3200" b="1" i="1" dirty="0"/>
+              <a:rPr lang="sk-SK" sz="3200" dirty="0"/>
               <a:t>Potrebná regulácia platformy, </a:t>
             </a:r>
             <a:r>
-              <a:rPr lang="sk-SK" sz="3200" b="1" i="1" dirty="0">
+              <a:rPr lang="sk-SK" sz="3200" dirty="0">
                 <a:solidFill>
                   <a:srgbClr val="FF0000"/>
                 </a:solidFill>
@@ -16190,7 +16302,7 @@
               <a:t>nie spomalenie tempa </a:t>
             </a:r>
             <a:r>
-              <a:rPr lang="sk-SK" sz="3200" b="1" i="1" dirty="0"/>
+              <a:rPr lang="sk-SK" sz="3200" dirty="0"/>
               <a:t>inovácie</a:t>
             </a:r>
           </a:p>
@@ -16202,7 +16314,7 @@
               <a:buNone/>
             </a:pPr>
             <a:r>
-              <a:rPr lang="sk-SK" sz="3200" b="1" i="1" dirty="0">
+              <a:rPr lang="sk-SK" sz="3200" dirty="0">
                 <a:solidFill>
                   <a:schemeClr val="accent6">
                     <a:lumMod val="75000"/>
@@ -16220,7 +16332,7 @@
               <a:buNone/>
             </a:pPr>
             <a:r>
-              <a:rPr lang="sk-SK" sz="3200" b="1" i="1" dirty="0" err="1">
+              <a:rPr lang="sk-SK" sz="3200" dirty="0" err="1">
                 <a:solidFill>
                   <a:schemeClr val="accent6">
                     <a:lumMod val="75000"/>
@@ -16230,7 +16342,7 @@
               <a:t>Koregulácia</a:t>
             </a:r>
             <a:r>
-              <a:rPr lang="sk-SK" sz="3200" b="1" i="1" dirty="0">
+              <a:rPr lang="sk-SK" sz="3200" dirty="0">
                 <a:solidFill>
                   <a:schemeClr val="accent6">
                     <a:lumMod val="75000"/>
@@ -16248,7 +16360,7 @@
               <a:buNone/>
             </a:pPr>
             <a:r>
-              <a:rPr lang="sk-SK" sz="3200" b="1" i="1" dirty="0">
+              <a:rPr lang="sk-SK" sz="3200" dirty="0">
                 <a:solidFill>
                   <a:schemeClr val="accent6">
                     <a:lumMod val="75000"/>
@@ -16342,7 +16454,9 @@
           <a:lstStyle/>
           <a:p>
             <a:pPr algn="ctr"/>
-            <a:endParaRPr lang="sk-SK" sz="2000" dirty="0"/>
+            <a:endParaRPr lang="sk-SK" sz="2000" dirty="0">
+              <a:latin typeface="+mj-lt"/>
+            </a:endParaRPr>
           </a:p>
         </p:txBody>
       </p:sp>
@@ -16375,7 +16489,9 @@
           <a:lstStyle/>
           <a:p>
             <a:r>
-              <a:rPr lang="cs-CZ" sz="3200" dirty="0"/>
+              <a:rPr lang="cs-CZ" sz="3200" dirty="0">
+                <a:latin typeface="+mj-lt"/>
+              </a:rPr>
               <a:t>Ako môžu zákonníci </a:t>
             </a:r>
             <a:r>
@@ -16385,11 +16501,14 @@
                     <a:lumMod val="75000"/>
                   </a:schemeClr>
                 </a:solidFill>
+                <a:latin typeface="+mj-lt"/>
               </a:rPr>
               <a:t>ovplyvniť internet</a:t>
             </a:r>
             <a:r>
-              <a:rPr lang="cs-CZ" sz="3200" dirty="0"/>
+              <a:rPr lang="cs-CZ" sz="3200" dirty="0">
+                <a:latin typeface="+mj-lt"/>
+              </a:rPr>
               <a:t>?</a:t>
             </a:r>
           </a:p>
@@ -16424,7 +16543,9 @@
           <a:lstStyle/>
           <a:p>
             <a:r>
-              <a:rPr lang="cs-CZ" sz="3200" dirty="0"/>
+              <a:rPr lang="cs-CZ" sz="3200" dirty="0">
+                <a:latin typeface="+mj-lt"/>
+              </a:rPr>
               <a:t>Ako regulovať internet aby všetci mali </a:t>
             </a:r>
             <a:r>
@@ -16434,14 +16555,19 @@
                     <a:lumMod val="75000"/>
                   </a:schemeClr>
                 </a:solidFill>
+                <a:latin typeface="+mj-lt"/>
               </a:rPr>
               <a:t>naňho rovnaké právo</a:t>
             </a:r>
             <a:r>
-              <a:rPr lang="cs-CZ" sz="3200" dirty="0"/>
+              <a:rPr lang="cs-CZ" sz="3200" dirty="0">
+                <a:latin typeface="+mj-lt"/>
+              </a:rPr>
               <a:t>?</a:t>
             </a:r>
-            <a:endParaRPr lang="en-US" sz="3200" dirty="0"/>
+            <a:endParaRPr lang="en-US" sz="3200" dirty="0">
+              <a:latin typeface="+mj-lt"/>
+            </a:endParaRPr>
           </a:p>
         </p:txBody>
       </p:sp>
@@ -16474,7 +16600,9 @@
           <a:lstStyle/>
           <a:p>
             <a:r>
-              <a:rPr lang="cs-CZ" sz="3200" dirty="0"/>
+              <a:rPr lang="cs-CZ" sz="3200" dirty="0">
+                <a:latin typeface="+mj-lt"/>
+              </a:rPr>
               <a:t>Môžeme </a:t>
             </a:r>
             <a:r>
@@ -16484,14 +16612,19 @@
                     <a:lumMod val="75000"/>
                   </a:schemeClr>
                 </a:solidFill>
+                <a:latin typeface="+mj-lt"/>
               </a:rPr>
               <a:t>zabrániť rozširovaniu</a:t>
             </a:r>
             <a:r>
-              <a:rPr lang="cs-CZ" sz="3200" dirty="0"/>
+              <a:rPr lang="cs-CZ" sz="3200" dirty="0">
+                <a:latin typeface="+mj-lt"/>
+              </a:rPr>
               <a:t> falošných informácii?</a:t>
             </a:r>
-            <a:endParaRPr lang="en-US" sz="3200" dirty="0"/>
+            <a:endParaRPr lang="en-US" sz="3200" dirty="0">
+              <a:latin typeface="+mj-lt"/>
+            </a:endParaRPr>
           </a:p>
         </p:txBody>
       </p:sp>
@@ -16570,7 +16703,9 @@
           <a:lstStyle/>
           <a:p>
             <a:r>
-              <a:rPr lang="cs-CZ" sz="3200" dirty="0"/>
+              <a:rPr lang="cs-CZ" sz="3200" dirty="0">
+                <a:latin typeface="+mj-lt"/>
+              </a:rPr>
               <a:t>Prečo môžu dať zákony veľkým firmám </a:t>
             </a:r>
             <a:r>
@@ -16580,16 +16715,21 @@
                     <a:lumMod val="75000"/>
                   </a:schemeClr>
                 </a:solidFill>
+                <a:latin typeface="+mj-lt"/>
               </a:rPr>
               <a:t>úplnú kontrolu </a:t>
             </a:r>
           </a:p>
           <a:p>
             <a:r>
-              <a:rPr lang="cs-CZ" sz="3200" dirty="0"/>
+              <a:rPr lang="cs-CZ" sz="3200" dirty="0">
+                <a:latin typeface="+mj-lt"/>
+              </a:rPr>
               <a:t>nad internetom</a:t>
             </a:r>
-            <a:endParaRPr lang="en-US" sz="3200" dirty="0"/>
+            <a:endParaRPr lang="en-US" sz="3200" dirty="0">
+              <a:latin typeface="+mj-lt"/>
+            </a:endParaRPr>
           </a:p>
         </p:txBody>
       </p:sp>
@@ -16622,7 +16762,9 @@
           <a:lstStyle/>
           <a:p>
             <a:r>
-              <a:rPr lang="cs-CZ" sz="3200" dirty="0"/>
+              <a:rPr lang="cs-CZ" sz="3200" dirty="0">
+                <a:latin typeface="+mj-lt"/>
+              </a:rPr>
               <a:t>Dokážu moderné technológie ľahko </a:t>
             </a:r>
             <a:r>
@@ -16632,14 +16774,19 @@
                     <a:lumMod val="75000"/>
                   </a:schemeClr>
                 </a:solidFill>
+                <a:latin typeface="+mj-lt"/>
               </a:rPr>
               <a:t>ovplyvniť verejnú mienku</a:t>
             </a:r>
             <a:r>
-              <a:rPr lang="cs-CZ" sz="3200" dirty="0"/>
+              <a:rPr lang="cs-CZ" sz="3200" dirty="0">
+                <a:latin typeface="+mj-lt"/>
+              </a:rPr>
               <a:t>?</a:t>
             </a:r>
-            <a:endParaRPr lang="en-US" sz="3200" dirty="0"/>
+            <a:endParaRPr lang="en-US" sz="3200" dirty="0">
+              <a:latin typeface="+mj-lt"/>
+            </a:endParaRPr>
           </a:p>
         </p:txBody>
       </p:sp>
@@ -17192,13 +17339,13 @@
         </p:nvSpPr>
         <p:spPr>
           <a:xfrm>
-            <a:off x="1011790" y="3016577"/>
-            <a:ext cx="10168400" cy="983922"/>
+            <a:off x="505885" y="2723982"/>
+            <a:ext cx="11180210" cy="983922"/>
           </a:xfrm>
         </p:spPr>
         <p:txBody>
           <a:bodyPr>
-            <a:normAutofit fontScale="90000"/>
+            <a:noAutofit/>
           </a:bodyPr>
           <a:lstStyle/>
           <a:p>
@@ -17265,6 +17412,65 @@
           <a:xfrm>
             <a:off x="10858522" y="6267997"/>
             <a:ext cx="1150049" cy="376643"/>
+          </a:xfrm>
+          <a:prstGeom prst="rect">
+            <a:avLst/>
+          </a:prstGeom>
+          <a:noFill/>
+          <a:extLst>
+            <a:ext uri="{909E8E84-426E-40DD-AFC4-6F175D3DCCD1}">
+              <a14:hiddenFill xmlns:a14="http://schemas.microsoft.com/office/drawing/2010/main">
+                <a:solidFill>
+                  <a:srgbClr val="FFFFFF"/>
+                </a:solidFill>
+              </a14:hiddenFill>
+            </a:ext>
+          </a:extLst>
+        </p:spPr>
+      </p:pic>
+      <p:pic>
+        <p:nvPicPr>
+          <p:cNvPr id="7" name="Picture 2" descr="https://pixabay.com/static/uploads/photo/2012/04/23/15/41/question-38595_960_720.png">
+            <a:extLst>
+              <a:ext uri="{FF2B5EF4-FFF2-40B4-BE49-F238E27FC236}">
+                <a16:creationId xmlns:a16="http://schemas.microsoft.com/office/drawing/2014/main" id="{9D3CD973-6DBA-4C77-98B2-49CE369354F4}"/>
+              </a:ext>
+            </a:extLst>
+          </p:cNvPr>
+          <p:cNvPicPr>
+            <a:picLocks noChangeAspect="1" noChangeArrowheads="1"/>
+          </p:cNvPicPr>
+          <p:nvPr/>
+        </p:nvPicPr>
+        <p:blipFill>
+          <a:blip r:embed="rId3" cstate="print">
+            <a:extLst>
+              <a:ext uri="{BEBA8EAE-BF5A-486C-A8C5-ECC9F3942E4B}">
+                <a14:imgProps xmlns:a14="http://schemas.microsoft.com/office/drawing/2010/main">
+                  <a14:imgLayer r:embed="rId4">
+                    <a14:imgEffect>
+                      <a14:artisticLineDrawing/>
+                    </a14:imgEffect>
+                    <a14:imgEffect>
+                      <a14:saturation sat="0"/>
+                    </a14:imgEffect>
+                  </a14:imgLayer>
+                </a14:imgProps>
+              </a:ext>
+              <a:ext uri="{28A0092B-C50C-407E-A947-70E740481C1C}">
+                <a14:useLocalDpi xmlns:a14="http://schemas.microsoft.com/office/drawing/2010/main" val="0"/>
+              </a:ext>
+            </a:extLst>
+          </a:blip>
+          <a:srcRect/>
+          <a:stretch>
+            <a:fillRect/>
+          </a:stretch>
+        </p:blipFill>
+        <p:spPr bwMode="auto">
+          <a:xfrm>
+            <a:off x="5497614" y="3707904"/>
+            <a:ext cx="1196752" cy="1196752"/>
           </a:xfrm>
           <a:prstGeom prst="rect">
             <a:avLst/>
@@ -17363,7 +17569,9 @@
           <a:lstStyle/>
           <a:p>
             <a:pPr algn="ctr"/>
-            <a:endParaRPr lang="sk-SK" dirty="0"/>
+            <a:endParaRPr lang="sk-SK" dirty="0">
+              <a:latin typeface="+mj-lt"/>
+            </a:endParaRPr>
           </a:p>
         </p:txBody>
       </p:sp>
@@ -17448,36 +17656,41 @@
               <a:buNone/>
             </a:pPr>
             <a:r>
-              <a:rPr lang="en-US" b="1" dirty="0" err="1">
+              <a:rPr lang="en-US" dirty="0" err="1">
                 <a:solidFill>
                   <a:schemeClr val="accent6">
                     <a:lumMod val="75000"/>
                   </a:schemeClr>
                 </a:solidFill>
+                <a:latin typeface="+mj-lt"/>
               </a:rPr>
               <a:t>Rovnak</a:t>
             </a:r>
             <a:r>
-              <a:rPr lang="cs-CZ" b="1" dirty="0">
+              <a:rPr lang="cs-CZ" dirty="0">
                 <a:solidFill>
                   <a:schemeClr val="accent6">
                     <a:lumMod val="75000"/>
                   </a:schemeClr>
                 </a:solidFill>
+                <a:latin typeface="+mj-lt"/>
               </a:rPr>
               <a:t>á</a:t>
             </a:r>
             <a:r>
-              <a:rPr lang="cs-CZ" b="1" dirty="0"/>
+              <a:rPr lang="cs-CZ" dirty="0">
+                <a:latin typeface="+mj-lt"/>
+              </a:rPr>
               <a:t> distribúcia </a:t>
             </a:r>
             <a:r>
-              <a:rPr lang="cs-CZ" b="1" dirty="0">
+              <a:rPr lang="cs-CZ" dirty="0">
                 <a:solidFill>
                   <a:schemeClr val="accent1">
                     <a:lumMod val="75000"/>
                   </a:schemeClr>
                 </a:solidFill>
+                <a:latin typeface="+mj-lt"/>
               </a:rPr>
               <a:t>internetovej komunikácie</a:t>
             </a:r>
@@ -17775,13 +17988,13 @@
         </p:nvSpPr>
         <p:spPr>
           <a:xfrm>
-            <a:off x="1011790" y="3016577"/>
-            <a:ext cx="10168400" cy="983922"/>
+            <a:off x="243615" y="2696468"/>
+            <a:ext cx="11704750" cy="983922"/>
           </a:xfrm>
         </p:spPr>
         <p:txBody>
           <a:bodyPr>
-            <a:normAutofit fontScale="90000"/>
+            <a:noAutofit/>
           </a:bodyPr>
           <a:lstStyle/>
           <a:p>
@@ -17872,6 +18085,65 @@
           <a:xfrm>
             <a:off x="10858522" y="6267997"/>
             <a:ext cx="1150049" cy="376643"/>
+          </a:xfrm>
+          <a:prstGeom prst="rect">
+            <a:avLst/>
+          </a:prstGeom>
+          <a:noFill/>
+          <a:extLst>
+            <a:ext uri="{909E8E84-426E-40DD-AFC4-6F175D3DCCD1}">
+              <a14:hiddenFill xmlns:a14="http://schemas.microsoft.com/office/drawing/2010/main">
+                <a:solidFill>
+                  <a:srgbClr val="FFFFFF"/>
+                </a:solidFill>
+              </a14:hiddenFill>
+            </a:ext>
+          </a:extLst>
+        </p:spPr>
+      </p:pic>
+      <p:pic>
+        <p:nvPicPr>
+          <p:cNvPr id="7" name="Picture 2" descr="https://pixabay.com/static/uploads/photo/2012/04/23/15/41/question-38595_960_720.png">
+            <a:extLst>
+              <a:ext uri="{FF2B5EF4-FFF2-40B4-BE49-F238E27FC236}">
+                <a16:creationId xmlns:a16="http://schemas.microsoft.com/office/drawing/2014/main" id="{5F35907D-3454-4D5A-864C-34DBDB07718F}"/>
+              </a:ext>
+            </a:extLst>
+          </p:cNvPr>
+          <p:cNvPicPr>
+            <a:picLocks noChangeAspect="1" noChangeArrowheads="1"/>
+          </p:cNvPicPr>
+          <p:nvPr/>
+        </p:nvPicPr>
+        <p:blipFill>
+          <a:blip r:embed="rId3" cstate="print">
+            <a:extLst>
+              <a:ext uri="{BEBA8EAE-BF5A-486C-A8C5-ECC9F3942E4B}">
+                <a14:imgProps xmlns:a14="http://schemas.microsoft.com/office/drawing/2010/main">
+                  <a14:imgLayer r:embed="rId4">
+                    <a14:imgEffect>
+                      <a14:artisticLineDrawing/>
+                    </a14:imgEffect>
+                    <a14:imgEffect>
+                      <a14:saturation sat="0"/>
+                    </a14:imgEffect>
+                  </a14:imgLayer>
+                </a14:imgProps>
+              </a:ext>
+              <a:ext uri="{28A0092B-C50C-407E-A947-70E740481C1C}">
+                <a14:useLocalDpi xmlns:a14="http://schemas.microsoft.com/office/drawing/2010/main" val="0"/>
+              </a:ext>
+            </a:extLst>
+          </a:blip>
+          <a:srcRect/>
+          <a:stretch>
+            <a:fillRect/>
+          </a:stretch>
+        </p:blipFill>
+        <p:spPr bwMode="auto">
+          <a:xfrm>
+            <a:off x="5497614" y="3707904"/>
+            <a:ext cx="1196752" cy="1196752"/>
           </a:xfrm>
           <a:prstGeom prst="rect">
             <a:avLst/>
@@ -17970,7 +18242,9 @@
           <a:lstStyle/>
           <a:p>
             <a:pPr algn="ctr"/>
-            <a:endParaRPr lang="sk-SK" dirty="0"/>
+            <a:endParaRPr lang="sk-SK" dirty="0">
+              <a:latin typeface="+mj-lt"/>
+            </a:endParaRPr>
           </a:p>
         </p:txBody>
       </p:sp>
@@ -18036,7 +18310,7 @@
         </p:nvSpPr>
         <p:spPr>
           <a:xfrm>
-            <a:off x="5267258" y="1976325"/>
+            <a:off x="5267259" y="1895235"/>
             <a:ext cx="6639397" cy="1531460"/>
           </a:xfrm>
         </p:spPr>
@@ -18050,7 +18324,9 @@
               <a:buNone/>
             </a:pPr>
             <a:r>
-              <a:rPr lang="cs-CZ" sz="3000" dirty="0"/>
+              <a:rPr lang="cs-CZ" sz="3000" dirty="0">
+                <a:latin typeface="+mj-lt"/>
+              </a:rPr>
               <a:t>Všeobecné komunikačné regulácie (1934)</a:t>
             </a:r>
           </a:p>
@@ -18058,14 +18334,18 @@
             <a:pPr marL="457200" lvl="1" indent="0" algn="ctr">
               <a:buNone/>
             </a:pPr>
-            <a:endParaRPr lang="cs-CZ" sz="3000" dirty="0"/>
+            <a:endParaRPr lang="cs-CZ" sz="3000" dirty="0">
+              <a:latin typeface="+mj-lt"/>
+            </a:endParaRPr>
           </a:p>
           <a:p>
             <a:pPr marL="457200" lvl="1" indent="0" algn="ctr">
               <a:buNone/>
             </a:pPr>
             <a:r>
-              <a:rPr lang="en-US" sz="3000" dirty="0"/>
+              <a:rPr lang="en-US" sz="3000" dirty="0">
+                <a:latin typeface="+mj-lt"/>
+              </a:rPr>
               <a:t>“</a:t>
             </a:r>
             <a:r>
@@ -18075,28 +18355,39 @@
                     <a:lumMod val="75000"/>
                   </a:schemeClr>
                 </a:solidFill>
+                <a:latin typeface="+mj-lt"/>
               </a:rPr>
               <a:t>Net neutrality act</a:t>
             </a:r>
             <a:r>
-              <a:rPr lang="en-US" sz="3000" dirty="0"/>
+              <a:rPr lang="en-US" sz="3000" dirty="0">
+                <a:latin typeface="+mj-lt"/>
+              </a:rPr>
               <a:t>” v </a:t>
             </a:r>
             <a:r>
-              <a:rPr lang="en-US" sz="3000" dirty="0" err="1"/>
+              <a:rPr lang="en-US" sz="3000" dirty="0" err="1">
+                <a:latin typeface="+mj-lt"/>
+              </a:rPr>
               <a:t>Californii</a:t>
             </a:r>
-            <a:endParaRPr lang="en-US" sz="3000" dirty="0"/>
+            <a:endParaRPr lang="en-US" sz="3000" dirty="0">
+              <a:latin typeface="+mj-lt"/>
+            </a:endParaRPr>
           </a:p>
           <a:p>
             <a:pPr marL="457200" lvl="1" indent="0">
               <a:buNone/>
             </a:pPr>
-            <a:endParaRPr lang="cs-CZ" dirty="0"/>
+            <a:endParaRPr lang="cs-CZ" dirty="0">
+              <a:latin typeface="+mj-lt"/>
+            </a:endParaRPr>
           </a:p>
           <a:p>
             <a:pPr lvl="1"/>
-            <a:endParaRPr lang="en-US" dirty="0"/>
+            <a:endParaRPr lang="en-US" dirty="0">
+              <a:latin typeface="+mj-lt"/>
+            </a:endParaRPr>
           </a:p>
         </p:txBody>
       </p:sp>
@@ -18129,7 +18420,7 @@
         </p:blipFill>
         <p:spPr bwMode="auto">
           <a:xfrm>
-            <a:off x="838200" y="3958836"/>
+            <a:off x="838199" y="3958835"/>
             <a:ext cx="4122906" cy="2318465"/>
           </a:xfrm>
           <a:prstGeom prst="rect">
@@ -18222,7 +18513,7 @@
         </p:blipFill>
         <p:spPr bwMode="auto">
           <a:xfrm>
-            <a:off x="6974157" y="3958837"/>
+            <a:off x="6974156" y="3868257"/>
             <a:ext cx="3531212" cy="2499622"/>
           </a:xfrm>
           <a:prstGeom prst="rect">
@@ -18270,13 +18561,17 @@
           <a:p>
             <a:pPr lvl="1" algn="ctr"/>
             <a:r>
-              <a:rPr lang="cs-CZ" sz="2800" dirty="0"/>
+              <a:rPr lang="cs-CZ" sz="2800" dirty="0">
+                <a:latin typeface="+mj-lt"/>
+              </a:rPr>
               <a:t>Najnovšie regulácie (2018)</a:t>
             </a:r>
           </a:p>
           <a:p>
             <a:pPr lvl="1" algn="ctr"/>
-            <a:endParaRPr lang="cs-CZ" sz="2800" dirty="0"/>
+            <a:endParaRPr lang="cs-CZ" sz="2800" dirty="0">
+              <a:latin typeface="+mj-lt"/>
+            </a:endParaRPr>
           </a:p>
           <a:p>
             <a:pPr lvl="1" algn="ctr"/>
@@ -18287,11 +18582,14 @@
                     <a:lumMod val="75000"/>
                   </a:schemeClr>
                 </a:solidFill>
+                <a:latin typeface="+mj-lt"/>
               </a:rPr>
               <a:t>Najvoľnejší</a:t>
             </a:r>
             <a:r>
-              <a:rPr lang="cs-CZ" sz="2800" dirty="0"/>
+              <a:rPr lang="cs-CZ" sz="2800" dirty="0">
+                <a:latin typeface="+mj-lt"/>
+              </a:rPr>
               <a:t> internet </a:t>
             </a:r>
             <a:r>
@@ -18301,12 +18599,15 @@
                     <a:lumMod val="75000"/>
                   </a:schemeClr>
                 </a:solidFill>
+                <a:latin typeface="+mj-lt"/>
               </a:rPr>
               <a:t>vo svete</a:t>
             </a:r>
           </a:p>
           <a:p>
-            <a:endParaRPr lang="en-US" dirty="0"/>
+            <a:endParaRPr lang="en-US" dirty="0">
+              <a:latin typeface="+mj-lt"/>
+            </a:endParaRPr>
           </a:p>
         </p:txBody>
       </p:sp>
@@ -18455,7 +18756,9 @@
           <a:lstStyle/>
           <a:p>
             <a:pPr algn="ctr"/>
-            <a:endParaRPr lang="sk-SK" dirty="0"/>
+            <a:endParaRPr lang="sk-SK" dirty="0">
+              <a:latin typeface="+mj-lt"/>
+            </a:endParaRPr>
           </a:p>
         </p:txBody>
       </p:sp>
@@ -18477,7 +18780,7 @@
         </p:nvSpPr>
         <p:spPr>
           <a:xfrm>
-            <a:off x="1011790" y="3016577"/>
+            <a:off x="1011790" y="2658135"/>
             <a:ext cx="10168400" cy="983922"/>
           </a:xfrm>
         </p:spPr>
@@ -18548,11 +18851,7 @@
               <a:rPr lang="cs-CZ" b="1" dirty="0"/>
               <a:t>?</a:t>
             </a:r>
-            <a:endParaRPr lang="sk-SK" b="1" dirty="0">
-              <a:solidFill>
-                <a:schemeClr val="accent1"/>
-              </a:solidFill>
-            </a:endParaRPr>
+            <a:endParaRPr lang="sk-SK" b="1" dirty="0"/>
           </a:p>
         </p:txBody>
       </p:sp>
@@ -18586,6 +18885,65 @@
           <a:xfrm>
             <a:off x="10858522" y="6267997"/>
             <a:ext cx="1150049" cy="376643"/>
+          </a:xfrm>
+          <a:prstGeom prst="rect">
+            <a:avLst/>
+          </a:prstGeom>
+          <a:noFill/>
+          <a:extLst>
+            <a:ext uri="{909E8E84-426E-40DD-AFC4-6F175D3DCCD1}">
+              <a14:hiddenFill xmlns:a14="http://schemas.microsoft.com/office/drawing/2010/main">
+                <a:solidFill>
+                  <a:srgbClr val="FFFFFF"/>
+                </a:solidFill>
+              </a14:hiddenFill>
+            </a:ext>
+          </a:extLst>
+        </p:spPr>
+      </p:pic>
+      <p:pic>
+        <p:nvPicPr>
+          <p:cNvPr id="7" name="Picture 2" descr="https://pixabay.com/static/uploads/photo/2012/04/23/15/41/question-38595_960_720.png">
+            <a:extLst>
+              <a:ext uri="{FF2B5EF4-FFF2-40B4-BE49-F238E27FC236}">
+                <a16:creationId xmlns:a16="http://schemas.microsoft.com/office/drawing/2014/main" id="{FC204121-ED0A-40CD-AE79-ADFC8DF58214}"/>
+              </a:ext>
+            </a:extLst>
+          </p:cNvPr>
+          <p:cNvPicPr>
+            <a:picLocks noChangeAspect="1" noChangeArrowheads="1"/>
+          </p:cNvPicPr>
+          <p:nvPr/>
+        </p:nvPicPr>
+        <p:blipFill>
+          <a:blip r:embed="rId3" cstate="print">
+            <a:extLst>
+              <a:ext uri="{BEBA8EAE-BF5A-486C-A8C5-ECC9F3942E4B}">
+                <a14:imgProps xmlns:a14="http://schemas.microsoft.com/office/drawing/2010/main">
+                  <a14:imgLayer r:embed="rId4">
+                    <a14:imgEffect>
+                      <a14:artisticLineDrawing/>
+                    </a14:imgEffect>
+                    <a14:imgEffect>
+                      <a14:saturation sat="0"/>
+                    </a14:imgEffect>
+                  </a14:imgLayer>
+                </a14:imgProps>
+              </a:ext>
+              <a:ext uri="{28A0092B-C50C-407E-A947-70E740481C1C}">
+                <a14:useLocalDpi xmlns:a14="http://schemas.microsoft.com/office/drawing/2010/main" val="0"/>
+              </a:ext>
+            </a:extLst>
+          </a:blip>
+          <a:srcRect/>
+          <a:stretch>
+            <a:fillRect/>
+          </a:stretch>
+        </p:blipFill>
+        <p:spPr bwMode="auto">
+          <a:xfrm>
+            <a:off x="5497614" y="3707904"/>
+            <a:ext cx="1196752" cy="1196752"/>
           </a:xfrm>
           <a:prstGeom prst="rect">
             <a:avLst/>
@@ -18684,7 +19042,9 @@
           <a:lstStyle/>
           <a:p>
             <a:pPr algn="ctr"/>
-            <a:endParaRPr lang="sk-SK" dirty="0"/>
+            <a:endParaRPr lang="sk-SK" dirty="0">
+              <a:latin typeface="+mj-lt"/>
+            </a:endParaRPr>
           </a:p>
         </p:txBody>
       </p:sp>
@@ -18706,7 +19066,7 @@
         </p:nvSpPr>
         <p:spPr>
           <a:xfrm>
-            <a:off x="4125395" y="389878"/>
+            <a:off x="4125395" y="308280"/>
             <a:ext cx="3941189" cy="1325563"/>
           </a:xfrm>
         </p:spPr>
@@ -18716,6 +19076,7 @@
           </a:bodyPr>
           <a:lstStyle/>
           <a:p>
+            <a:pPr algn="ctr"/>
             <a:r>
               <a:rPr lang="en-US" sz="4800" b="1" dirty="0" err="1">
                 <a:solidFill>
@@ -18756,7 +19117,7 @@
         </p:spPr>
         <p:txBody>
           <a:bodyPr>
-            <a:normAutofit lnSpcReduction="10000"/>
+            <a:noAutofit/>
           </a:bodyPr>
           <a:lstStyle/>
           <a:p>
@@ -18764,37 +19125,46 @@
               <a:buNone/>
             </a:pPr>
             <a:r>
-              <a:rPr lang="en-US" sz="3500" dirty="0" err="1"/>
+              <a:rPr lang="en-US" dirty="0" err="1">
+                <a:latin typeface="+mj-lt"/>
+              </a:rPr>
               <a:t>Aktu</a:t>
             </a:r>
             <a:r>
-              <a:rPr lang="cs-CZ" sz="3500" dirty="0"/>
+              <a:rPr lang="cs-CZ" dirty="0">
+                <a:latin typeface="+mj-lt"/>
+              </a:rPr>
               <a:t>álne </a:t>
             </a:r>
             <a:r>
-              <a:rPr lang="cs-CZ" sz="3500" dirty="0" err="1">
+              <a:rPr lang="cs-CZ" dirty="0" err="1">
                 <a:solidFill>
                   <a:srgbClr val="FF0000"/>
                 </a:solidFill>
+                <a:latin typeface="+mj-lt"/>
               </a:rPr>
               <a:t>minimálne</a:t>
             </a:r>
             <a:r>
-              <a:rPr lang="cs-CZ" sz="3500" dirty="0"/>
+              <a:rPr lang="cs-CZ" dirty="0">
+                <a:latin typeface="+mj-lt"/>
+              </a:rPr>
               <a:t> </a:t>
             </a:r>
             <a:r>
-              <a:rPr lang="cs-CZ" sz="3500" dirty="0" err="1">
+              <a:rPr lang="cs-CZ" dirty="0" err="1">
                 <a:solidFill>
                   <a:srgbClr val="FF0000"/>
                 </a:solidFill>
+                <a:latin typeface="+mj-lt"/>
               </a:rPr>
               <a:t>pravidlá</a:t>
             </a:r>
-            <a:endParaRPr lang="cs-CZ" sz="3500" dirty="0">
+            <a:endParaRPr lang="cs-CZ" dirty="0">
               <a:solidFill>
                 <a:srgbClr val="FF0000"/>
               </a:solidFill>
+              <a:latin typeface="+mj-lt"/>
             </a:endParaRPr>
           </a:p>
           <a:p>
@@ -18802,63 +19172,78 @@
               <a:buNone/>
             </a:pPr>
             <a:r>
-              <a:rPr lang="cs-CZ" sz="2800" dirty="0" err="1"/>
+              <a:rPr lang="cs-CZ" dirty="0" err="1">
+                <a:latin typeface="+mj-lt"/>
+              </a:rPr>
               <a:t>Obmedzenia</a:t>
             </a:r>
             <a:r>
-              <a:rPr lang="cs-CZ" sz="2800" dirty="0"/>
+              <a:rPr lang="cs-CZ" dirty="0">
+                <a:latin typeface="+mj-lt"/>
+              </a:rPr>
               <a:t> možné mimo </a:t>
             </a:r>
             <a:r>
-              <a:rPr lang="cs-CZ" sz="2800" dirty="0" err="1"/>
+              <a:rPr lang="cs-CZ" dirty="0" err="1">
+                <a:latin typeface="+mj-lt"/>
+              </a:rPr>
               <a:t>verejných</a:t>
             </a:r>
             <a:r>
-              <a:rPr lang="cs-CZ" sz="2800" dirty="0"/>
+              <a:rPr lang="cs-CZ" dirty="0">
+                <a:latin typeface="+mj-lt"/>
+              </a:rPr>
               <a:t> </a:t>
             </a:r>
             <a:r>
-              <a:rPr lang="cs-CZ" sz="2800" dirty="0" err="1"/>
+              <a:rPr lang="cs-CZ" dirty="0" err="1">
+                <a:latin typeface="+mj-lt"/>
+              </a:rPr>
               <a:t>sietí</a:t>
             </a:r>
-            <a:endParaRPr lang="cs-CZ" sz="2800" dirty="0"/>
+            <a:endParaRPr lang="cs-CZ" dirty="0">
+              <a:latin typeface="+mj-lt"/>
+            </a:endParaRPr>
           </a:p>
           <a:p>
             <a:pPr marL="0" indent="0" algn="just">
               <a:buNone/>
             </a:pPr>
             <a:r>
-              <a:rPr lang="cs-CZ" sz="2800" dirty="0" err="1"/>
+              <a:rPr lang="cs-CZ" dirty="0" err="1">
+                <a:latin typeface="+mj-lt"/>
+              </a:rPr>
               <a:t>Provideri</a:t>
             </a:r>
             <a:r>
-              <a:rPr lang="cs-CZ" sz="2800" dirty="0"/>
+              <a:rPr lang="cs-CZ" dirty="0">
+                <a:latin typeface="+mj-lt"/>
+              </a:rPr>
               <a:t> </a:t>
             </a:r>
             <a:r>
-              <a:rPr lang="cs-CZ" sz="2800" dirty="0">
+              <a:rPr lang="cs-CZ" dirty="0">
                 <a:solidFill>
                   <a:srgbClr val="FF0000"/>
                 </a:solidFill>
+                <a:latin typeface="+mj-lt"/>
               </a:rPr>
               <a:t>nemôžu ovplyvňovať </a:t>
             </a:r>
             <a:r>
-              <a:rPr lang="cs-CZ" sz="2800" dirty="0"/>
+              <a:rPr lang="cs-CZ" dirty="0">
+                <a:latin typeface="+mj-lt"/>
+              </a:rPr>
               <a:t>tok internetu</a:t>
             </a:r>
-          </a:p>
-          <a:p>
             <a:endParaRPr lang="en-US" dirty="0">
               <a:solidFill>
                 <a:schemeClr val="accent6">
                   <a:lumMod val="75000"/>
                 </a:schemeClr>
               </a:solidFill>
+              <a:latin typeface="+mj-lt"/>
             </a:endParaRPr>
-          </a:p>
-          <a:p>
-            <a:endParaRPr lang="en-US" dirty="0"/>
           </a:p>
         </p:txBody>
       </p:sp>
@@ -19106,7 +19491,7 @@
         </p:nvSpPr>
         <p:spPr>
           <a:xfrm>
-            <a:off x="1401441" y="2857500"/>
+            <a:off x="1401441" y="2564904"/>
             <a:ext cx="9389097" cy="1143000"/>
           </a:xfrm>
         </p:spPr>
@@ -19119,25 +19504,21 @@
             <a:pPr algn="ctr"/>
             <a:r>
               <a:rPr lang="cs-CZ" b="1" dirty="0"/>
-              <a:t>Čo pre nás znamená </a:t>
+              <a:t>Čo pre nás znamená „</a:t>
             </a:r>
             <a:r>
               <a:rPr lang="cs-CZ" b="1" dirty="0">
                 <a:solidFill>
-                  <a:schemeClr val="accent1"/>
+                  <a:srgbClr val="0070C0"/>
                 </a:solidFill>
               </a:rPr>
               <a:t>KOREGULÁCIA</a:t>
             </a:r>
             <a:r>
               <a:rPr lang="cs-CZ" b="1" dirty="0"/>
-              <a:t>?</a:t>
-            </a:r>
-            <a:endParaRPr lang="sk-SK" b="1" dirty="0">
-              <a:solidFill>
-                <a:schemeClr val="accent1"/>
-              </a:solidFill>
-            </a:endParaRPr>
+              <a:t>“?</a:t>
+            </a:r>
+            <a:endParaRPr lang="sk-SK" b="1" dirty="0"/>
           </a:p>
         </p:txBody>
       </p:sp>
@@ -19171,6 +19552,65 @@
           <a:xfrm>
             <a:off x="10858522" y="6267997"/>
             <a:ext cx="1150049" cy="376643"/>
+          </a:xfrm>
+          <a:prstGeom prst="rect">
+            <a:avLst/>
+          </a:prstGeom>
+          <a:noFill/>
+          <a:extLst>
+            <a:ext uri="{909E8E84-426E-40DD-AFC4-6F175D3DCCD1}">
+              <a14:hiddenFill xmlns:a14="http://schemas.microsoft.com/office/drawing/2010/main">
+                <a:solidFill>
+                  <a:srgbClr val="FFFFFF"/>
+                </a:solidFill>
+              </a14:hiddenFill>
+            </a:ext>
+          </a:extLst>
+        </p:spPr>
+      </p:pic>
+      <p:pic>
+        <p:nvPicPr>
+          <p:cNvPr id="7" name="Picture 2" descr="https://pixabay.com/static/uploads/photo/2012/04/23/15/41/question-38595_960_720.png">
+            <a:extLst>
+              <a:ext uri="{FF2B5EF4-FFF2-40B4-BE49-F238E27FC236}">
+                <a16:creationId xmlns:a16="http://schemas.microsoft.com/office/drawing/2014/main" id="{BB3BE350-F122-4966-9781-FBEB8A1CF26C}"/>
+              </a:ext>
+            </a:extLst>
+          </p:cNvPr>
+          <p:cNvPicPr>
+            <a:picLocks noChangeAspect="1" noChangeArrowheads="1"/>
+          </p:cNvPicPr>
+          <p:nvPr/>
+        </p:nvPicPr>
+        <p:blipFill>
+          <a:blip r:embed="rId3" cstate="print">
+            <a:extLst>
+              <a:ext uri="{BEBA8EAE-BF5A-486C-A8C5-ECC9F3942E4B}">
+                <a14:imgProps xmlns:a14="http://schemas.microsoft.com/office/drawing/2010/main">
+                  <a14:imgLayer r:embed="rId4">
+                    <a14:imgEffect>
+                      <a14:artisticLineDrawing/>
+                    </a14:imgEffect>
+                    <a14:imgEffect>
+                      <a14:saturation sat="0"/>
+                    </a14:imgEffect>
+                  </a14:imgLayer>
+                </a14:imgProps>
+              </a:ext>
+              <a:ext uri="{28A0092B-C50C-407E-A947-70E740481C1C}">
+                <a14:useLocalDpi xmlns:a14="http://schemas.microsoft.com/office/drawing/2010/main" val="0"/>
+              </a:ext>
+            </a:extLst>
+          </a:blip>
+          <a:srcRect/>
+          <a:stretch>
+            <a:fillRect/>
+          </a:stretch>
+        </p:blipFill>
+        <p:spPr bwMode="auto">
+          <a:xfrm>
+            <a:off x="5497614" y="3707904"/>
+            <a:ext cx="1196752" cy="1196752"/>
           </a:xfrm>
           <a:prstGeom prst="rect">
             <a:avLst/>
